--- a/figures/COBP_conceptualDiagram.pptx
+++ b/figures/COBP_conceptualDiagram.pptx
@@ -243,7 +243,7 @@
           <a:p>
             <a:fld id="{E8817E69-E92C-A448-99EE-7D114A6EA366}" type="datetimeFigureOut">
               <a:rPr lang="en-US" smtClean="0"/>
-              <a:t>3/28/22</a:t>
+              <a:t>4/20/22</a:t>
             </a:fld>
             <a:endParaRPr lang="en-US"/>
           </a:p>
@@ -413,7 +413,7 @@
           <a:p>
             <a:fld id="{E8817E69-E92C-A448-99EE-7D114A6EA366}" type="datetimeFigureOut">
               <a:rPr lang="en-US" smtClean="0"/>
-              <a:t>3/28/22</a:t>
+              <a:t>4/20/22</a:t>
             </a:fld>
             <a:endParaRPr lang="en-US"/>
           </a:p>
@@ -593,7 +593,7 @@
           <a:p>
             <a:fld id="{E8817E69-E92C-A448-99EE-7D114A6EA366}" type="datetimeFigureOut">
               <a:rPr lang="en-US" smtClean="0"/>
-              <a:t>3/28/22</a:t>
+              <a:t>4/20/22</a:t>
             </a:fld>
             <a:endParaRPr lang="en-US"/>
           </a:p>
@@ -763,7 +763,7 @@
           <a:p>
             <a:fld id="{E8817E69-E92C-A448-99EE-7D114A6EA366}" type="datetimeFigureOut">
               <a:rPr lang="en-US" smtClean="0"/>
-              <a:t>3/28/22</a:t>
+              <a:t>4/20/22</a:t>
             </a:fld>
             <a:endParaRPr lang="en-US"/>
           </a:p>
@@ -1007,7 +1007,7 @@
           <a:p>
             <a:fld id="{E8817E69-E92C-A448-99EE-7D114A6EA366}" type="datetimeFigureOut">
               <a:rPr lang="en-US" smtClean="0"/>
-              <a:t>3/28/22</a:t>
+              <a:t>4/20/22</a:t>
             </a:fld>
             <a:endParaRPr lang="en-US"/>
           </a:p>
@@ -1239,7 +1239,7 @@
           <a:p>
             <a:fld id="{E8817E69-E92C-A448-99EE-7D114A6EA366}" type="datetimeFigureOut">
               <a:rPr lang="en-US" smtClean="0"/>
-              <a:t>3/28/22</a:t>
+              <a:t>4/20/22</a:t>
             </a:fld>
             <a:endParaRPr lang="en-US"/>
           </a:p>
@@ -1606,7 +1606,7 @@
           <a:p>
             <a:fld id="{E8817E69-E92C-A448-99EE-7D114A6EA366}" type="datetimeFigureOut">
               <a:rPr lang="en-US" smtClean="0"/>
-              <a:t>3/28/22</a:t>
+              <a:t>4/20/22</a:t>
             </a:fld>
             <a:endParaRPr lang="en-US"/>
           </a:p>
@@ -1724,7 +1724,7 @@
           <a:p>
             <a:fld id="{E8817E69-E92C-A448-99EE-7D114A6EA366}" type="datetimeFigureOut">
               <a:rPr lang="en-US" smtClean="0"/>
-              <a:t>3/28/22</a:t>
+              <a:t>4/20/22</a:t>
             </a:fld>
             <a:endParaRPr lang="en-US"/>
           </a:p>
@@ -1819,7 +1819,7 @@
           <a:p>
             <a:fld id="{E8817E69-E92C-A448-99EE-7D114A6EA366}" type="datetimeFigureOut">
               <a:rPr lang="en-US" smtClean="0"/>
-              <a:t>3/28/22</a:t>
+              <a:t>4/20/22</a:t>
             </a:fld>
             <a:endParaRPr lang="en-US"/>
           </a:p>
@@ -2096,7 +2096,7 @@
           <a:p>
             <a:fld id="{E8817E69-E92C-A448-99EE-7D114A6EA366}" type="datetimeFigureOut">
               <a:rPr lang="en-US" smtClean="0"/>
-              <a:t>3/28/22</a:t>
+              <a:t>4/20/22</a:t>
             </a:fld>
             <a:endParaRPr lang="en-US"/>
           </a:p>
@@ -2353,7 +2353,7 @@
           <a:p>
             <a:fld id="{E8817E69-E92C-A448-99EE-7D114A6EA366}" type="datetimeFigureOut">
               <a:rPr lang="en-US" smtClean="0"/>
-              <a:t>3/28/22</a:t>
+              <a:t>4/20/22</a:t>
             </a:fld>
             <a:endParaRPr lang="en-US"/>
           </a:p>
@@ -2566,7 +2566,7 @@
           <a:p>
             <a:fld id="{E8817E69-E92C-A448-99EE-7D114A6EA366}" type="datetimeFigureOut">
               <a:rPr lang="en-US" smtClean="0"/>
-              <a:t>3/28/22</a:t>
+              <a:t>4/20/22</a:t>
             </a:fld>
             <a:endParaRPr lang="en-US"/>
           </a:p>
@@ -3181,7 +3181,10 @@
             <a:lstStyle/>
             <a:p>
               <a:pPr algn="ctr"/>
-              <a:endParaRPr lang="en-US"/>
+              <a:endParaRPr lang="en-US">
+                <a:latin typeface="Arial" panose="020B0604020202020204" pitchFamily="34" charset="0"/>
+                <a:cs typeface="Arial" panose="020B0604020202020204" pitchFamily="34" charset="0"/>
+              </a:endParaRPr>
             </a:p>
           </p:txBody>
         </p:sp>
@@ -3488,7 +3491,10 @@
           <a:lstStyle/>
           <a:p>
             <a:pPr algn="ctr"/>
-            <a:endParaRPr lang="en-US"/>
+            <a:endParaRPr lang="en-US">
+              <a:latin typeface="Arial" panose="020B0604020202020204" pitchFamily="34" charset="0"/>
+              <a:cs typeface="Arial" panose="020B0604020202020204" pitchFamily="34" charset="0"/>
+            </a:endParaRPr>
           </a:p>
         </p:txBody>
       </p:sp>
@@ -3507,9 +3513,9 @@
         <p:grpSpPr>
           <a:xfrm>
             <a:off x="4501088" y="3099046"/>
-            <a:ext cx="1635936" cy="1888606"/>
+            <a:ext cx="1655856" cy="1888606"/>
             <a:chOff x="236220" y="1826040"/>
-            <a:chExt cx="1635936" cy="1888606"/>
+            <a:chExt cx="1655856" cy="1888606"/>
           </a:xfrm>
         </p:grpSpPr>
         <p:sp>
@@ -3562,7 +3568,10 @@
             <a:lstStyle/>
             <a:p>
               <a:pPr algn="ctr"/>
-              <a:endParaRPr lang="en-US"/>
+              <a:endParaRPr lang="en-US">
+                <a:latin typeface="Arial" panose="020B0604020202020204" pitchFamily="34" charset="0"/>
+                <a:cs typeface="Arial" panose="020B0604020202020204" pitchFamily="34" charset="0"/>
+              </a:endParaRPr>
             </a:p>
           </p:txBody>
         </p:sp>
@@ -3733,7 +3742,7 @@
           <p:spPr>
             <a:xfrm>
               <a:off x="551644" y="3468424"/>
-              <a:ext cx="1210588" cy="246221"/>
+              <a:ext cx="1340432" cy="246221"/>
             </a:xfrm>
             <a:prstGeom prst="rect">
               <a:avLst/>
@@ -3747,19 +3756,31 @@
             <a:lstStyle/>
             <a:p>
               <a:r>
-                <a:rPr lang="en-US" sz="1000" b="1" dirty="0"/>
+                <a:rPr lang="en-US" sz="1000" b="1" dirty="0">
+                  <a:latin typeface="Arial" panose="020B0604020202020204" pitchFamily="34" charset="0"/>
+                  <a:cs typeface="Arial" panose="020B0604020202020204" pitchFamily="34" charset="0"/>
+                </a:rPr>
                 <a:t>Pop. size </a:t>
               </a:r>
               <a:r>
-                <a:rPr lang="en-US" sz="1000" dirty="0"/>
+                <a:rPr lang="en-US" sz="1000" dirty="0">
+                  <a:latin typeface="Arial" panose="020B0604020202020204" pitchFamily="34" charset="0"/>
+                  <a:cs typeface="Arial" panose="020B0604020202020204" pitchFamily="34" charset="0"/>
+                </a:rPr>
                 <a:t>in year </a:t>
               </a:r>
               <a:r>
-                <a:rPr lang="en-US" sz="1000" i="1" dirty="0"/>
+                <a:rPr lang="en-US" sz="1000" i="1" dirty="0">
+                  <a:latin typeface="Arial" panose="020B0604020202020204" pitchFamily="34" charset="0"/>
+                  <a:cs typeface="Arial" panose="020B0604020202020204" pitchFamily="34" charset="0"/>
+                </a:rPr>
                 <a:t>t</a:t>
               </a:r>
               <a:r>
-                <a:rPr lang="en-US" sz="1000" dirty="0"/>
+                <a:rPr lang="en-US" sz="1000" dirty="0">
+                  <a:latin typeface="Arial" panose="020B0604020202020204" pitchFamily="34" charset="0"/>
+                  <a:cs typeface="Arial" panose="020B0604020202020204" pitchFamily="34" charset="0"/>
+                </a:rPr>
                 <a:t>-1</a:t>
               </a:r>
             </a:p>
@@ -3781,8 +3802,8 @@
               </p:nvSpPr>
               <p:spPr>
                 <a:xfrm rot="16200000">
-                  <a:off x="-11930" y="2777662"/>
-                  <a:ext cx="920445" cy="246221"/>
+                  <a:off x="-42387" y="2777662"/>
+                  <a:ext cx="981359" cy="246221"/>
                 </a:xfrm>
                 <a:prstGeom prst="rect">
                   <a:avLst/>
@@ -3796,7 +3817,10 @@
                 <a:lstStyle/>
                 <a:p>
                   <a:r>
-                    <a:rPr lang="en-US" sz="1000" b="1" dirty="0"/>
+                    <a:rPr lang="en-US" sz="1000" b="1" dirty="0">
+                      <a:latin typeface="Arial" panose="020B0604020202020204" pitchFamily="34" charset="0"/>
+                      <a:cs typeface="Arial" panose="020B0604020202020204" pitchFamily="34" charset="0"/>
+                    </a:rPr>
                     <a:t>ln(</a:t>
                   </a:r>
                   <a14:m>
@@ -3811,18 +3835,30 @@
                     </m:oMath>
                   </a14:m>
                   <a:r>
-                    <a:rPr lang="en-US" sz="1000" b="1" dirty="0"/>
+                    <a:rPr lang="en-US" sz="1000" b="1" dirty="0">
+                      <a:latin typeface="Arial" panose="020B0604020202020204" pitchFamily="34" charset="0"/>
+                      <a:cs typeface="Arial" panose="020B0604020202020204" pitchFamily="34" charset="0"/>
+                    </a:rPr>
                     <a:t>)  </a:t>
                   </a:r>
                   <a:r>
-                    <a:rPr lang="en-US" sz="1000" dirty="0"/>
+                    <a:rPr lang="en-US" sz="1000" dirty="0">
+                      <a:latin typeface="Arial" panose="020B0604020202020204" pitchFamily="34" charset="0"/>
+                      <a:cs typeface="Arial" panose="020B0604020202020204" pitchFamily="34" charset="0"/>
+                    </a:rPr>
                     <a:t>in year </a:t>
                   </a:r>
                   <a:r>
-                    <a:rPr lang="en-US" sz="1000" i="1" dirty="0"/>
+                    <a:rPr lang="en-US" sz="1000" i="1" dirty="0">
+                      <a:latin typeface="Arial" panose="020B0604020202020204" pitchFamily="34" charset="0"/>
+                      <a:cs typeface="Arial" panose="020B0604020202020204" pitchFamily="34" charset="0"/>
+                    </a:rPr>
                     <a:t>t</a:t>
                   </a:r>
-                  <a:endParaRPr lang="en-US" sz="1000" dirty="0"/>
+                  <a:endParaRPr lang="en-US" sz="1000" dirty="0">
+                    <a:latin typeface="Arial" panose="020B0604020202020204" pitchFamily="34" charset="0"/>
+                    <a:cs typeface="Arial" panose="020B0604020202020204" pitchFamily="34" charset="0"/>
+                  </a:endParaRPr>
                 </a:p>
               </p:txBody>
             </p:sp>
@@ -3844,8 +3880,8 @@
               </p:nvSpPr>
               <p:spPr>
                 <a:xfrm rot="16200000">
-                  <a:off x="-11930" y="2777662"/>
-                  <a:ext cx="920445" cy="246221"/>
+                  <a:off x="-42387" y="2777662"/>
+                  <a:ext cx="981359" cy="246221"/>
                 </a:xfrm>
                 <a:prstGeom prst="rect">
                   <a:avLst/>
@@ -4010,11 +4046,17 @@
           <a:p>
             <a:pPr algn="ctr"/>
             <a:r>
-              <a:rPr lang="en-US" sz="900" b="1" dirty="0"/>
-              <a:t>Correlation Matrix</a:t>
-            </a:r>
-            <a:r>
-              <a:rPr lang="en-US" sz="900" dirty="0"/>
+              <a:rPr lang="en-US" sz="900" b="1" dirty="0">
+                <a:latin typeface="Arial" panose="020B0604020202020204" pitchFamily="34" charset="0"/>
+                <a:cs typeface="Arial" panose="020B0604020202020204" pitchFamily="34" charset="0"/>
+              </a:rPr>
+              <a:t>Correlation matrix</a:t>
+            </a:r>
+            <a:r>
+              <a:rPr lang="en-US" sz="900" dirty="0">
+                <a:latin typeface="Arial" panose="020B0604020202020204" pitchFamily="34" charset="0"/>
+                <a:cs typeface="Arial" panose="020B0604020202020204" pitchFamily="34" charset="0"/>
+              </a:rPr>
               <a:t> of environmental covariate effect sizes in different vital rate models </a:t>
             </a:r>
           </a:p>
@@ -4035,7 +4077,7 @@
           <p:nvPr>
             <p:extLst>
               <p:ext uri="{D42A27DB-BD31-4B8C-83A1-F6EECF244321}">
-                <p14:modId xmlns:p14="http://schemas.microsoft.com/office/powerpoint/2010/main" val="3316676319"/>
+                <p14:modId xmlns:p14="http://schemas.microsoft.com/office/powerpoint/2010/main" val="1919228252"/>
               </p:ext>
             </p:extLst>
           </p:nvPr>
@@ -5256,9 +5298,9 @@
         <p:grpSpPr>
           <a:xfrm>
             <a:off x="4414490" y="795339"/>
-            <a:ext cx="1809736" cy="1994739"/>
+            <a:ext cx="1762756" cy="2005051"/>
             <a:chOff x="2290234" y="243719"/>
-            <a:chExt cx="1809736" cy="1994739"/>
+            <a:chExt cx="1762756" cy="2005051"/>
           </a:xfrm>
         </p:grpSpPr>
         <p:sp>
@@ -5311,7 +5353,10 @@
             <a:lstStyle/>
             <a:p>
               <a:pPr algn="ctr"/>
-              <a:endParaRPr lang="en-US"/>
+              <a:endParaRPr lang="en-US">
+                <a:latin typeface="Arial" panose="020B0604020202020204" pitchFamily="34" charset="0"/>
+                <a:cs typeface="Arial" panose="020B0604020202020204" pitchFamily="34" charset="0"/>
+              </a:endParaRPr>
             </a:p>
           </p:txBody>
         </p:sp>
@@ -5481,7 +5526,7 @@
           </p:nvSpPr>
           <p:spPr>
             <a:xfrm>
-              <a:off x="2595748" y="1834841"/>
+              <a:off x="2479975" y="1848660"/>
               <a:ext cx="1504222" cy="400110"/>
             </a:xfrm>
             <a:prstGeom prst="rect">
@@ -5495,13 +5540,20 @@
             </a:bodyPr>
             <a:lstStyle/>
             <a:p>
+              <a:pPr algn="ctr"/>
               <a:r>
-                <a:rPr lang="en-US" sz="1000" dirty="0"/>
+                <a:rPr lang="en-US" sz="1000" dirty="0">
+                  <a:latin typeface="Arial" panose="020B0604020202020204" pitchFamily="34" charset="0"/>
+                  <a:cs typeface="Arial" panose="020B0604020202020204" pitchFamily="34" charset="0"/>
+                </a:rPr>
                 <a:t>Vital rate parameter </a:t>
               </a:r>
               <a:r>
-                <a:rPr lang="en-US" sz="1000" b="1" dirty="0"/>
-                <a:t>coefficient of variation</a:t>
+                <a:rPr lang="en-US" sz="1000" b="1" dirty="0">
+                  <a:latin typeface="Arial" panose="020B0604020202020204" pitchFamily="34" charset="0"/>
+                  <a:cs typeface="Arial" panose="020B0604020202020204" pitchFamily="34" charset="0"/>
+                </a:rPr>
+                <a:t>variability</a:t>
               </a:r>
             </a:p>
           </p:txBody>
@@ -5520,8 +5572,8 @@
           </p:nvSpPr>
           <p:spPr>
             <a:xfrm rot="16200000">
-              <a:off x="1911084" y="1188234"/>
-              <a:ext cx="1178528" cy="246221"/>
+              <a:off x="1866200" y="1188234"/>
+              <a:ext cx="1268296" cy="246221"/>
             </a:xfrm>
             <a:prstGeom prst="rect">
               <a:avLst/>
@@ -5535,11 +5587,17 @@
             <a:lstStyle/>
             <a:p>
               <a:r>
-                <a:rPr lang="en-US" sz="1000" dirty="0"/>
+                <a:rPr lang="en-US" sz="1000" dirty="0">
+                  <a:latin typeface="Arial" panose="020B0604020202020204" pitchFamily="34" charset="0"/>
+                  <a:cs typeface="Arial" panose="020B0604020202020204" pitchFamily="34" charset="0"/>
+                </a:rPr>
                 <a:t>Vital rate </a:t>
               </a:r>
               <a:r>
-                <a:rPr lang="en-US" sz="1000" b="1" dirty="0"/>
+                <a:rPr lang="en-US" sz="1000" b="1" dirty="0">
+                  <a:latin typeface="Arial" panose="020B0604020202020204" pitchFamily="34" charset="0"/>
+                  <a:cs typeface="Arial" panose="020B0604020202020204" pitchFamily="34" charset="0"/>
+                </a:rPr>
                 <a:t>elasticity</a:t>
               </a:r>
             </a:p>
@@ -5661,7 +5719,10 @@
             <a:lstStyle/>
             <a:p>
               <a:pPr algn="ctr"/>
-              <a:endParaRPr lang="en-US"/>
+              <a:endParaRPr lang="en-US">
+                <a:latin typeface="Arial" panose="020B0604020202020204" pitchFamily="34" charset="0"/>
+                <a:cs typeface="Arial" panose="020B0604020202020204" pitchFamily="34" charset="0"/>
+              </a:endParaRPr>
             </a:p>
           </p:txBody>
         </p:sp>
@@ -5846,10 +5907,16 @@
             <a:lstStyle/>
             <a:p>
               <a:r>
-                <a:rPr lang="en-US" sz="1000" dirty="0"/>
+                <a:rPr lang="en-US" sz="1000" dirty="0">
+                  <a:latin typeface="Arial" panose="020B0604020202020204" pitchFamily="34" charset="0"/>
+                  <a:cs typeface="Arial" panose="020B0604020202020204" pitchFamily="34" charset="0"/>
+                </a:rPr>
                 <a:t>Distance between two sub-pops.</a:t>
               </a:r>
-              <a:endParaRPr lang="en-US" sz="1000" b="1" dirty="0"/>
+              <a:endParaRPr lang="en-US" sz="1000" b="1" dirty="0">
+                <a:latin typeface="Arial" panose="020B0604020202020204" pitchFamily="34" charset="0"/>
+                <a:cs typeface="Arial" panose="020B0604020202020204" pitchFamily="34" charset="0"/>
+              </a:endParaRPr>
             </a:p>
           </p:txBody>
         </p:sp>
@@ -5916,7 +5983,7 @@
               </p:nvSpPr>
               <p:spPr>
                 <a:xfrm rot="16200000">
-                  <a:off x="3794630" y="1599647"/>
+                  <a:off x="3794630" y="1656797"/>
                   <a:ext cx="1572669" cy="400110"/>
                 </a:xfrm>
                 <a:prstGeom prst="rect">
@@ -5931,7 +5998,10 @@
                 <a:lstStyle/>
                 <a:p>
                   <a:r>
-                    <a:rPr lang="en-US" sz="1000" dirty="0"/>
+                    <a:rPr lang="en-US" sz="1000" dirty="0">
+                      <a:latin typeface="Arial" panose="020B0604020202020204" pitchFamily="34" charset="0"/>
+                      <a:cs typeface="Arial" panose="020B0604020202020204" pitchFamily="34" charset="0"/>
+                    </a:rPr>
                     <a:t>Correlation of ln(</a:t>
                   </a:r>
                   <a14:m>
@@ -5946,7 +6016,10 @@
                     </m:oMath>
                   </a14:m>
                   <a:r>
-                    <a:rPr lang="en-US" sz="1000" dirty="0"/>
+                    <a:rPr lang="en-US" sz="1000" dirty="0">
+                      <a:latin typeface="Arial" panose="020B0604020202020204" pitchFamily="34" charset="0"/>
+                      <a:cs typeface="Arial" panose="020B0604020202020204" pitchFamily="34" charset="0"/>
+                    </a:rPr>
                     <a:t>) between two sub-pops.</a:t>
                   </a:r>
                 </a:p>
@@ -5970,7 +6043,7 @@
               </p:nvSpPr>
               <p:spPr>
                 <a:xfrm rot="16200000">
-                  <a:off x="3794630" y="1599647"/>
+                  <a:off x="3794630" y="1656797"/>
                   <a:ext cx="1572669" cy="400110"/>
                 </a:xfrm>
                 <a:prstGeom prst="rect">
@@ -6069,7 +6142,10 @@
             <a:lstStyle/>
             <a:p>
               <a:pPr algn="ctr"/>
-              <a:endParaRPr lang="en-US"/>
+              <a:endParaRPr lang="en-US">
+                <a:latin typeface="Arial" panose="020B0604020202020204" pitchFamily="34" charset="0"/>
+                <a:cs typeface="Arial" panose="020B0604020202020204" pitchFamily="34" charset="0"/>
+              </a:endParaRPr>
             </a:p>
           </p:txBody>
         </p:sp>
@@ -6170,11 +6246,7 @@
                       <a:latin typeface="Arial" panose="020B0604020202020204" pitchFamily="34" charset="0"/>
                       <a:cs typeface="Arial" panose="020B0604020202020204" pitchFamily="34" charset="0"/>
                     </a:rPr>
-                    <a:t>No direct evidence without geneflow or dispersal data, but variation in </a:t>
-                  </a:r>
-                  <a:r>
-                    <a:rPr lang="en-US" sz="1000" dirty="0"/>
-                    <a:t>ln(</a:t>
+                    <a:t>No direct evidence without geneflow or dispersal data, but variation in ln(</a:t>
                   </a:r>
                   <a14:m>
                     <m:oMath xmlns:m="http://schemas.openxmlformats.org/officeDocument/2006/math">
@@ -6188,13 +6260,12 @@
                     </m:oMath>
                   </a14:m>
                   <a:r>
-                    <a:rPr lang="en-US" sz="1000" dirty="0"/>
+                    <a:rPr lang="en-US" sz="1000" dirty="0">
+                      <a:latin typeface="Arial" panose="020B0604020202020204" pitchFamily="34" charset="0"/>
+                      <a:cs typeface="Arial" panose="020B0604020202020204" pitchFamily="34" charset="0"/>
+                    </a:rPr>
                     <a:t>) across space (as tested in “Spatial Asynchrony”) is a necessary pre-requisite.</a:t>
                   </a:r>
-                  <a:endParaRPr lang="en-US" sz="1000" dirty="0">
-                    <a:latin typeface="Arial" panose="020B0604020202020204" pitchFamily="34" charset="0"/>
-                    <a:cs typeface="Arial" panose="020B0604020202020204" pitchFamily="34" charset="0"/>
-                  </a:endParaRPr>
                 </a:p>
               </p:txBody>
             </p:sp>
@@ -6225,7 +6296,7 @@
                 <a:blipFill>
                   <a:blip r:embed="rId8"/>
                   <a:stretch>
-                    <a:fillRect b="-1064"/>
+                    <a:fillRect r="-769" b="-1064"/>
                   </a:stretch>
                 </a:blipFill>
               </p:spPr>

--- a/figures/COBP_conceptualDiagram.pptx
+++ b/figures/COBP_conceptualDiagram.pptx
@@ -243,7 +243,7 @@
           <a:p>
             <a:fld id="{E8817E69-E92C-A448-99EE-7D114A6EA366}" type="datetimeFigureOut">
               <a:rPr lang="en-US" smtClean="0"/>
-              <a:t>4/20/22</a:t>
+              <a:t>10/10/23</a:t>
             </a:fld>
             <a:endParaRPr lang="en-US"/>
           </a:p>
@@ -413,7 +413,7 @@
           <a:p>
             <a:fld id="{E8817E69-E92C-A448-99EE-7D114A6EA366}" type="datetimeFigureOut">
               <a:rPr lang="en-US" smtClean="0"/>
-              <a:t>4/20/22</a:t>
+              <a:t>10/10/23</a:t>
             </a:fld>
             <a:endParaRPr lang="en-US"/>
           </a:p>
@@ -593,7 +593,7 @@
           <a:p>
             <a:fld id="{E8817E69-E92C-A448-99EE-7D114A6EA366}" type="datetimeFigureOut">
               <a:rPr lang="en-US" smtClean="0"/>
-              <a:t>4/20/22</a:t>
+              <a:t>10/10/23</a:t>
             </a:fld>
             <a:endParaRPr lang="en-US"/>
           </a:p>
@@ -763,7 +763,7 @@
           <a:p>
             <a:fld id="{E8817E69-E92C-A448-99EE-7D114A6EA366}" type="datetimeFigureOut">
               <a:rPr lang="en-US" smtClean="0"/>
-              <a:t>4/20/22</a:t>
+              <a:t>10/10/23</a:t>
             </a:fld>
             <a:endParaRPr lang="en-US"/>
           </a:p>
@@ -1007,7 +1007,7 @@
           <a:p>
             <a:fld id="{E8817E69-E92C-A448-99EE-7D114A6EA366}" type="datetimeFigureOut">
               <a:rPr lang="en-US" smtClean="0"/>
-              <a:t>4/20/22</a:t>
+              <a:t>10/10/23</a:t>
             </a:fld>
             <a:endParaRPr lang="en-US"/>
           </a:p>
@@ -1239,7 +1239,7 @@
           <a:p>
             <a:fld id="{E8817E69-E92C-A448-99EE-7D114A6EA366}" type="datetimeFigureOut">
               <a:rPr lang="en-US" smtClean="0"/>
-              <a:t>4/20/22</a:t>
+              <a:t>10/10/23</a:t>
             </a:fld>
             <a:endParaRPr lang="en-US"/>
           </a:p>
@@ -1606,7 +1606,7 @@
           <a:p>
             <a:fld id="{E8817E69-E92C-A448-99EE-7D114A6EA366}" type="datetimeFigureOut">
               <a:rPr lang="en-US" smtClean="0"/>
-              <a:t>4/20/22</a:t>
+              <a:t>10/10/23</a:t>
             </a:fld>
             <a:endParaRPr lang="en-US"/>
           </a:p>
@@ -1724,7 +1724,7 @@
           <a:p>
             <a:fld id="{E8817E69-E92C-A448-99EE-7D114A6EA366}" type="datetimeFigureOut">
               <a:rPr lang="en-US" smtClean="0"/>
-              <a:t>4/20/22</a:t>
+              <a:t>10/10/23</a:t>
             </a:fld>
             <a:endParaRPr lang="en-US"/>
           </a:p>
@@ -1819,7 +1819,7 @@
           <a:p>
             <a:fld id="{E8817E69-E92C-A448-99EE-7D114A6EA366}" type="datetimeFigureOut">
               <a:rPr lang="en-US" smtClean="0"/>
-              <a:t>4/20/22</a:t>
+              <a:t>10/10/23</a:t>
             </a:fld>
             <a:endParaRPr lang="en-US"/>
           </a:p>
@@ -2096,7 +2096,7 @@
           <a:p>
             <a:fld id="{E8817E69-E92C-A448-99EE-7D114A6EA366}" type="datetimeFigureOut">
               <a:rPr lang="en-US" smtClean="0"/>
-              <a:t>4/20/22</a:t>
+              <a:t>10/10/23</a:t>
             </a:fld>
             <a:endParaRPr lang="en-US"/>
           </a:p>
@@ -2353,7 +2353,7 @@
           <a:p>
             <a:fld id="{E8817E69-E92C-A448-99EE-7D114A6EA366}" type="datetimeFigureOut">
               <a:rPr lang="en-US" smtClean="0"/>
-              <a:t>4/20/22</a:t>
+              <a:t>10/10/23</a:t>
             </a:fld>
             <a:endParaRPr lang="en-US"/>
           </a:p>
@@ -2566,7 +2566,7 @@
           <a:p>
             <a:fld id="{E8817E69-E92C-A448-99EE-7D114A6EA366}" type="datetimeFigureOut">
               <a:rPr lang="en-US" smtClean="0"/>
-              <a:t>4/20/22</a:t>
+              <a:t>10/10/23</a:t>
             </a:fld>
             <a:endParaRPr lang="en-US"/>
           </a:p>
@@ -3031,7 +3031,6 @@
           </p:cNvPr>
           <p:cNvCxnSpPr>
             <a:cxnSpLocks/>
-            <a:endCxn id="15" idx="3"/>
           </p:cNvCxnSpPr>
           <p:nvPr/>
         </p:nvCxnSpPr>
@@ -3269,93 +3268,6 @@
             <a:xfrm>
               <a:off x="3108226" y="3820778"/>
               <a:ext cx="479266" cy="396956"/>
-            </a:xfrm>
-            <a:prstGeom prst="rect">
-              <a:avLst/>
-            </a:prstGeom>
-          </p:spPr>
-        </p:pic>
-        <p:pic>
-          <p:nvPicPr>
-            <p:cNvPr id="15" name="Content Placeholder 4">
-              <a:extLst>
-                <a:ext uri="{FF2B5EF4-FFF2-40B4-BE49-F238E27FC236}">
-                  <a16:creationId xmlns:a16="http://schemas.microsoft.com/office/drawing/2014/main" id="{2A10919C-391B-9746-A3F0-752BA60E6D22}"/>
-                </a:ext>
-              </a:extLst>
-            </p:cNvPr>
-            <p:cNvPicPr>
-              <a:picLocks noChangeAspect="1"/>
-            </p:cNvPicPr>
-            <p:nvPr/>
-          </p:nvPicPr>
-          <p:blipFill rotWithShape="1">
-            <a:blip r:embed="rId5"/>
-            <a:srcRect l="25254" t="17123" b="16266"/>
-            <a:stretch/>
-          </p:blipFill>
-          <p:spPr>
-            <a:xfrm>
-              <a:off x="3700519" y="3865771"/>
-              <a:ext cx="135296" cy="160656"/>
-            </a:xfrm>
-            <a:prstGeom prst="rect">
-              <a:avLst/>
-            </a:prstGeom>
-          </p:spPr>
-        </p:pic>
-        <p:pic>
-          <p:nvPicPr>
-            <p:cNvPr id="16" name="Content Placeholder 4">
-              <a:extLst>
-                <a:ext uri="{FF2B5EF4-FFF2-40B4-BE49-F238E27FC236}">
-                  <a16:creationId xmlns:a16="http://schemas.microsoft.com/office/drawing/2014/main" id="{4DBB7372-42A2-E64D-A13F-51602B7249AB}"/>
-                </a:ext>
-              </a:extLst>
-            </p:cNvPr>
-            <p:cNvPicPr>
-              <a:picLocks noChangeAspect="1"/>
-            </p:cNvPicPr>
-            <p:nvPr/>
-          </p:nvPicPr>
-          <p:blipFill rotWithShape="1">
-            <a:blip r:embed="rId5"/>
-            <a:srcRect l="25254" t="17123" b="16266"/>
-            <a:stretch/>
-          </p:blipFill>
-          <p:spPr>
-            <a:xfrm rot="4813434" flipH="1">
-              <a:off x="3579904" y="3950802"/>
-              <a:ext cx="139230" cy="165327"/>
-            </a:xfrm>
-            <a:prstGeom prst="rect">
-              <a:avLst/>
-            </a:prstGeom>
-          </p:spPr>
-        </p:pic>
-        <p:pic>
-          <p:nvPicPr>
-            <p:cNvPr id="17" name="Content Placeholder 4">
-              <a:extLst>
-                <a:ext uri="{FF2B5EF4-FFF2-40B4-BE49-F238E27FC236}">
-                  <a16:creationId xmlns:a16="http://schemas.microsoft.com/office/drawing/2014/main" id="{1B5C05EF-615E-4A4A-9EED-8B5875274A80}"/>
-                </a:ext>
-              </a:extLst>
-            </p:cNvPr>
-            <p:cNvPicPr>
-              <a:picLocks noChangeAspect="1"/>
-            </p:cNvPicPr>
-            <p:nvPr/>
-          </p:nvPicPr>
-          <p:blipFill rotWithShape="1">
-            <a:blip r:embed="rId5"/>
-            <a:srcRect l="25254" t="17123" b="16266"/>
-            <a:stretch/>
-          </p:blipFill>
-          <p:spPr>
-            <a:xfrm flipH="1">
-              <a:off x="3535322" y="3785488"/>
-              <a:ext cx="152400" cy="180966"/>
             </a:xfrm>
             <a:prstGeom prst="rect">
               <a:avLst/>
@@ -3786,8 +3698,8 @@
             </a:p>
           </p:txBody>
         </p:sp>
-        <mc:AlternateContent xmlns:mc="http://schemas.openxmlformats.org/markup-compatibility/2006">
-          <mc:Choice xmlns:a14="http://schemas.microsoft.com/office/drawing/2010/main" Requires="a14">
+        <mc:AlternateContent xmlns:mc="http://schemas.openxmlformats.org/markup-compatibility/2006" xmlns:a14="http://schemas.microsoft.com/office/drawing/2010/main">
+          <mc:Choice Requires="a14">
             <p:sp>
               <p:nvSpPr>
                 <p:cNvPr id="43" name="TextBox 42">
@@ -3863,7 +3775,7 @@
               </p:txBody>
             </p:sp>
           </mc:Choice>
-          <mc:Fallback>
+          <mc:Fallback xmlns="">
             <p:sp>
               <p:nvSpPr>
                 <p:cNvPr id="43" name="TextBox 42">
@@ -5298,9 +5210,9 @@
         <p:grpSpPr>
           <a:xfrm>
             <a:off x="4414490" y="795339"/>
-            <a:ext cx="1762756" cy="2005051"/>
+            <a:ext cx="1762756" cy="1994739"/>
             <a:chOff x="2290234" y="243719"/>
-            <a:chExt cx="1762756" cy="2005051"/>
+            <a:chExt cx="1762756" cy="1994739"/>
           </a:xfrm>
         </p:grpSpPr>
         <p:sp>
@@ -5527,7 +5439,7 @@
           <p:spPr>
             <a:xfrm>
               <a:off x="2479975" y="1848660"/>
-              <a:ext cx="1504222" cy="400110"/>
+              <a:ext cx="1504222" cy="246221"/>
             </a:xfrm>
             <a:prstGeom prst="rect">
               <a:avLst/>
@@ -5546,14 +5458,14 @@
                   <a:latin typeface="Arial" panose="020B0604020202020204" pitchFamily="34" charset="0"/>
                   <a:cs typeface="Arial" panose="020B0604020202020204" pitchFamily="34" charset="0"/>
                 </a:rPr>
-                <a:t>Vital rate parameter </a:t>
+                <a:t>Vital rate </a:t>
               </a:r>
               <a:r>
                 <a:rPr lang="en-US" sz="1000" b="1" dirty="0">
                   <a:latin typeface="Arial" panose="020B0604020202020204" pitchFamily="34" charset="0"/>
                   <a:cs typeface="Arial" panose="020B0604020202020204" pitchFamily="34" charset="0"/>
                 </a:rPr>
-                <a:t>variability</a:t>
+                <a:t>importance</a:t>
               </a:r>
             </a:p>
           </p:txBody>
@@ -5572,8 +5484,8 @@
           </p:nvSpPr>
           <p:spPr>
             <a:xfrm rot="16200000">
-              <a:off x="1866200" y="1188234"/>
-              <a:ext cx="1268296" cy="246221"/>
+              <a:off x="1841354" y="1188234"/>
+              <a:ext cx="1317990" cy="246221"/>
             </a:xfrm>
             <a:prstGeom prst="rect">
               <a:avLst/>
@@ -5598,7 +5510,7 @@
                   <a:latin typeface="Arial" panose="020B0604020202020204" pitchFamily="34" charset="0"/>
                   <a:cs typeface="Arial" panose="020B0604020202020204" pitchFamily="34" charset="0"/>
                 </a:rPr>
-                <a:t>elasticity</a:t>
+                <a:t>variability</a:t>
               </a:r>
             </a:p>
           </p:txBody>
@@ -5967,8 +5879,8 @@
             </a:fontRef>
           </p:style>
         </p:cxnSp>
-        <mc:AlternateContent xmlns:mc="http://schemas.openxmlformats.org/markup-compatibility/2006">
-          <mc:Choice xmlns:a14="http://schemas.microsoft.com/office/drawing/2010/main" Requires="a14">
+        <mc:AlternateContent xmlns:mc="http://schemas.openxmlformats.org/markup-compatibility/2006" xmlns:a14="http://schemas.microsoft.com/office/drawing/2010/main">
+          <mc:Choice Requires="a14">
             <p:sp>
               <p:nvSpPr>
                 <p:cNvPr id="75" name="TextBox 74">
@@ -6026,7 +5938,7 @@
               </p:txBody>
             </p:sp>
           </mc:Choice>
-          <mc:Fallback>
+          <mc:Fallback xmlns="">
             <p:sp>
               <p:nvSpPr>
                 <p:cNvPr id="75" name="TextBox 74">
@@ -6211,8 +6123,8 @@
             </a:p>
           </p:txBody>
         </p:sp>
-        <mc:AlternateContent xmlns:mc="http://schemas.openxmlformats.org/markup-compatibility/2006">
-          <mc:Choice xmlns:a14="http://schemas.microsoft.com/office/drawing/2010/main" Requires="a14">
+        <mc:AlternateContent xmlns:mc="http://schemas.openxmlformats.org/markup-compatibility/2006" xmlns:a14="http://schemas.microsoft.com/office/drawing/2010/main">
+          <mc:Choice Requires="a14">
             <p:sp>
               <p:nvSpPr>
                 <p:cNvPr id="81" name="TextBox 80">
@@ -6270,7 +6182,7 @@
               </p:txBody>
             </p:sp>
           </mc:Choice>
-          <mc:Fallback>
+          <mc:Fallback xmlns="">
             <p:sp>
               <p:nvSpPr>
                 <p:cNvPr id="81" name="TextBox 80">
@@ -6316,6 +6228,93 @@
           </mc:Fallback>
         </mc:AlternateContent>
       </p:grpSp>
+      <p:pic>
+        <p:nvPicPr>
+          <p:cNvPr id="3" name="Picture 2">
+            <a:extLst>
+              <a:ext uri="{FF2B5EF4-FFF2-40B4-BE49-F238E27FC236}">
+                <a16:creationId xmlns:a16="http://schemas.microsoft.com/office/drawing/2014/main" id="{2A2BD82B-6E01-61B2-8216-16D0BA91C8F2}"/>
+              </a:ext>
+            </a:extLst>
+          </p:cNvPr>
+          <p:cNvPicPr>
+            <a:picLocks noChangeAspect="1"/>
+          </p:cNvPicPr>
+          <p:nvPr/>
+        </p:nvPicPr>
+        <p:blipFill rotWithShape="1">
+          <a:blip r:embed="rId9"/>
+          <a:srcRect l="26242" t="13107" r="-4767" b="14470"/>
+          <a:stretch/>
+        </p:blipFill>
+        <p:spPr>
+          <a:xfrm flipH="1">
+            <a:off x="3754599" y="4192278"/>
+            <a:ext cx="179116" cy="220395"/>
+          </a:xfrm>
+          <a:prstGeom prst="rect">
+            <a:avLst/>
+          </a:prstGeom>
+        </p:spPr>
+      </p:pic>
+      <p:pic>
+        <p:nvPicPr>
+          <p:cNvPr id="7" name="Picture 6">
+            <a:extLst>
+              <a:ext uri="{FF2B5EF4-FFF2-40B4-BE49-F238E27FC236}">
+                <a16:creationId xmlns:a16="http://schemas.microsoft.com/office/drawing/2014/main" id="{D396C7EA-DCAD-4037-786A-FE106F97C43C}"/>
+              </a:ext>
+            </a:extLst>
+          </p:cNvPr>
+          <p:cNvPicPr>
+            <a:picLocks noChangeAspect="1"/>
+          </p:cNvPicPr>
+          <p:nvPr/>
+        </p:nvPicPr>
+        <p:blipFill rotWithShape="1">
+          <a:blip r:embed="rId9"/>
+          <a:srcRect l="26242" t="13107" r="-4767" b="14470"/>
+          <a:stretch/>
+        </p:blipFill>
+        <p:spPr>
+          <a:xfrm rot="8337950" flipH="1">
+            <a:off x="3687135" y="4388691"/>
+            <a:ext cx="179116" cy="171413"/>
+          </a:xfrm>
+          <a:prstGeom prst="rect">
+            <a:avLst/>
+          </a:prstGeom>
+        </p:spPr>
+      </p:pic>
+      <p:pic>
+        <p:nvPicPr>
+          <p:cNvPr id="9" name="Picture 8">
+            <a:extLst>
+              <a:ext uri="{FF2B5EF4-FFF2-40B4-BE49-F238E27FC236}">
+                <a16:creationId xmlns:a16="http://schemas.microsoft.com/office/drawing/2014/main" id="{88649DFE-A053-10E5-4F1A-DBC1F7F6DF0E}"/>
+              </a:ext>
+            </a:extLst>
+          </p:cNvPr>
+          <p:cNvPicPr>
+            <a:picLocks noChangeAspect="1"/>
+          </p:cNvPicPr>
+          <p:nvPr/>
+        </p:nvPicPr>
+        <p:blipFill rotWithShape="1">
+          <a:blip r:embed="rId9"/>
+          <a:srcRect l="26242" t="13107" r="-4767" b="14470"/>
+          <a:stretch/>
+        </p:blipFill>
+        <p:spPr>
+          <a:xfrm rot="4451824" flipV="1">
+            <a:off x="3864056" y="4394542"/>
+            <a:ext cx="166888" cy="159711"/>
+          </a:xfrm>
+          <a:prstGeom prst="rect">
+            <a:avLst/>
+          </a:prstGeom>
+        </p:spPr>
+      </p:pic>
     </p:spTree>
     <p:extLst>
       <p:ext uri="{BB962C8B-B14F-4D97-AF65-F5344CB8AC3E}">
